--- a/Pcrit Experiment/Post defense work/Editing Fig 3.pptx
+++ b/Pcrit Experiment/Post defense work/Editing Fig 3.pptx
@@ -104,6 +104,11 @@
       </a:defRPr>
     </a:lvl9pPr>
   </p:defaultTextStyle>
+  <p:extLst>
+    <p:ext uri="{EFAFB233-063F-42B5-8137-9DF3F51BA10A}">
+      <p15:sldGuideLst xmlns:p15="http://schemas.microsoft.com/office/powerpoint/2012/main"/>
+    </p:ext>
+  </p:extLst>
 </p:presentation>
 </file>
 
@@ -238,7 +243,7 @@
           <a:p>
             <a:fld id="{1844248D-EAB6-4673-85AD-343EE044F9F5}" type="datetimeFigureOut">
               <a:rPr lang="en-US" smtClean="0"/>
-              <a:t>7/5/2023</a:t>
+              <a:t>7/29/2024</a:t>
             </a:fld>
             <a:endParaRPr lang="en-US"/>
           </a:p>
@@ -408,7 +413,7 @@
           <a:p>
             <a:fld id="{1844248D-EAB6-4673-85AD-343EE044F9F5}" type="datetimeFigureOut">
               <a:rPr lang="en-US" smtClean="0"/>
-              <a:t>7/5/2023</a:t>
+              <a:t>7/29/2024</a:t>
             </a:fld>
             <a:endParaRPr lang="en-US"/>
           </a:p>
@@ -588,7 +593,7 @@
           <a:p>
             <a:fld id="{1844248D-EAB6-4673-85AD-343EE044F9F5}" type="datetimeFigureOut">
               <a:rPr lang="en-US" smtClean="0"/>
-              <a:t>7/5/2023</a:t>
+              <a:t>7/29/2024</a:t>
             </a:fld>
             <a:endParaRPr lang="en-US"/>
           </a:p>
@@ -758,7 +763,7 @@
           <a:p>
             <a:fld id="{1844248D-EAB6-4673-85AD-343EE044F9F5}" type="datetimeFigureOut">
               <a:rPr lang="en-US" smtClean="0"/>
-              <a:t>7/5/2023</a:t>
+              <a:t>7/29/2024</a:t>
             </a:fld>
             <a:endParaRPr lang="en-US"/>
           </a:p>
@@ -1004,7 +1009,7 @@
           <a:p>
             <a:fld id="{1844248D-EAB6-4673-85AD-343EE044F9F5}" type="datetimeFigureOut">
               <a:rPr lang="en-US" smtClean="0"/>
-              <a:t>7/5/2023</a:t>
+              <a:t>7/29/2024</a:t>
             </a:fld>
             <a:endParaRPr lang="en-US"/>
           </a:p>
@@ -1236,7 +1241,7 @@
           <a:p>
             <a:fld id="{1844248D-EAB6-4673-85AD-343EE044F9F5}" type="datetimeFigureOut">
               <a:rPr lang="en-US" smtClean="0"/>
-              <a:t>7/5/2023</a:t>
+              <a:t>7/29/2024</a:t>
             </a:fld>
             <a:endParaRPr lang="en-US"/>
           </a:p>
@@ -1603,7 +1608,7 @@
           <a:p>
             <a:fld id="{1844248D-EAB6-4673-85AD-343EE044F9F5}" type="datetimeFigureOut">
               <a:rPr lang="en-US" smtClean="0"/>
-              <a:t>7/5/2023</a:t>
+              <a:t>7/29/2024</a:t>
             </a:fld>
             <a:endParaRPr lang="en-US"/>
           </a:p>
@@ -1721,7 +1726,7 @@
           <a:p>
             <a:fld id="{1844248D-EAB6-4673-85AD-343EE044F9F5}" type="datetimeFigureOut">
               <a:rPr lang="en-US" smtClean="0"/>
-              <a:t>7/5/2023</a:t>
+              <a:t>7/29/2024</a:t>
             </a:fld>
             <a:endParaRPr lang="en-US"/>
           </a:p>
@@ -1816,7 +1821,7 @@
           <a:p>
             <a:fld id="{1844248D-EAB6-4673-85AD-343EE044F9F5}" type="datetimeFigureOut">
               <a:rPr lang="en-US" smtClean="0"/>
-              <a:t>7/5/2023</a:t>
+              <a:t>7/29/2024</a:t>
             </a:fld>
             <a:endParaRPr lang="en-US"/>
           </a:p>
@@ -2093,7 +2098,7 @@
           <a:p>
             <a:fld id="{1844248D-EAB6-4673-85AD-343EE044F9F5}" type="datetimeFigureOut">
               <a:rPr lang="en-US" smtClean="0"/>
-              <a:t>7/5/2023</a:t>
+              <a:t>7/29/2024</a:t>
             </a:fld>
             <a:endParaRPr lang="en-US"/>
           </a:p>
@@ -2350,7 +2355,7 @@
           <a:p>
             <a:fld id="{1844248D-EAB6-4673-85AD-343EE044F9F5}" type="datetimeFigureOut">
               <a:rPr lang="en-US" smtClean="0"/>
-              <a:t>7/5/2023</a:t>
+              <a:t>7/29/2024</a:t>
             </a:fld>
             <a:endParaRPr lang="en-US"/>
           </a:p>
@@ -2563,7 +2568,7 @@
           <a:p>
             <a:fld id="{1844248D-EAB6-4673-85AD-343EE044F9F5}" type="datetimeFigureOut">
               <a:rPr lang="en-US" smtClean="0"/>
-              <a:t>7/5/2023</a:t>
+              <a:t>7/29/2024</a:t>
             </a:fld>
             <a:endParaRPr lang="en-US"/>
           </a:p>
@@ -3274,6 +3279,92 @@
           </a:p>
         </p:txBody>
       </p:sp>
+      <p:cxnSp>
+        <p:nvCxnSpPr>
+          <p:cNvPr id="3" name="Straight Connector 2">
+            <a:extLst>
+              <a:ext uri="{FF2B5EF4-FFF2-40B4-BE49-F238E27FC236}">
+                <a16:creationId xmlns:a16="http://schemas.microsoft.com/office/drawing/2014/main" id="{967A77BD-5D8F-925F-E40B-1EBBFA5A667C}"/>
+              </a:ext>
+            </a:extLst>
+          </p:cNvPr>
+          <p:cNvCxnSpPr/>
+          <p:nvPr/>
+        </p:nvCxnSpPr>
+        <p:spPr>
+          <a:xfrm>
+            <a:off x="2019300" y="2736850"/>
+            <a:ext cx="0" cy="1920875"/>
+          </a:xfrm>
+          <a:prstGeom prst="line">
+            <a:avLst/>
+          </a:prstGeom>
+          <a:ln w="28575">
+            <a:solidFill>
+              <a:srgbClr val="C00000"/>
+            </a:solidFill>
+            <a:prstDash val="dash"/>
+          </a:ln>
+        </p:spPr>
+        <p:style>
+          <a:lnRef idx="1">
+            <a:schemeClr val="accent1"/>
+          </a:lnRef>
+          <a:fillRef idx="0">
+            <a:schemeClr val="accent1"/>
+          </a:fillRef>
+          <a:effectRef idx="0">
+            <a:schemeClr val="accent1"/>
+          </a:effectRef>
+          <a:fontRef idx="minor">
+            <a:schemeClr val="tx1"/>
+          </a:fontRef>
+        </p:style>
+      </p:cxnSp>
+      <p:cxnSp>
+        <p:nvCxnSpPr>
+          <p:cNvPr id="4" name="Straight Connector 3">
+            <a:extLst>
+              <a:ext uri="{FF2B5EF4-FFF2-40B4-BE49-F238E27FC236}">
+                <a16:creationId xmlns:a16="http://schemas.microsoft.com/office/drawing/2014/main" id="{9A48444A-3935-565A-9867-37375CBF407A}"/>
+              </a:ext>
+            </a:extLst>
+          </p:cNvPr>
+          <p:cNvCxnSpPr>
+            <a:cxnSpLocks/>
+          </p:cNvCxnSpPr>
+          <p:nvPr/>
+        </p:nvCxnSpPr>
+        <p:spPr>
+          <a:xfrm>
+            <a:off x="6737350" y="2574925"/>
+            <a:ext cx="0" cy="2073275"/>
+          </a:xfrm>
+          <a:prstGeom prst="line">
+            <a:avLst/>
+          </a:prstGeom>
+          <a:ln w="28575">
+            <a:solidFill>
+              <a:srgbClr val="C00000"/>
+            </a:solidFill>
+            <a:prstDash val="dash"/>
+          </a:ln>
+        </p:spPr>
+        <p:style>
+          <a:lnRef idx="1">
+            <a:schemeClr val="accent1"/>
+          </a:lnRef>
+          <a:fillRef idx="0">
+            <a:schemeClr val="accent1"/>
+          </a:fillRef>
+          <a:effectRef idx="0">
+            <a:schemeClr val="accent1"/>
+          </a:effectRef>
+          <a:fontRef idx="minor">
+            <a:schemeClr val="tx1"/>
+          </a:fontRef>
+        </p:style>
+      </p:cxnSp>
     </p:spTree>
     <p:extLst>
       <p:ext uri="{BB962C8B-B14F-4D97-AF65-F5344CB8AC3E}">
